--- a/ppts/P.A_Java_011.pptx
+++ b/ppts/P.A_Java_011.pptx
@@ -218,7 +218,7 @@
           <a:p>
             <a:fld id="{9FD7BC75-2EA9-468A-816F-E83490660D79}" type="datetimeFigureOut">
               <a:rPr lang="en-US" smtClean="0"/>
-              <a:t>8/7/2023</a:t>
+              <a:t>8/9/2023</a:t>
             </a:fld>
             <a:endParaRPr lang="en-US"/>
           </a:p>
@@ -622,7 +622,7 @@
             <a:fld id="{1D8BD707-D9CF-40AE-B4C6-C98DA3205C09}" type="datetimeFigureOut">
               <a:rPr lang="en-US"/>
               <a:pPr/>
-              <a:t>8/7/2023</a:t>
+              <a:t>8/9/2023</a:t>
             </a:fld>
             <a:endParaRPr lang="en-US"/>
           </a:p>
@@ -802,7 +802,7 @@
             <a:fld id="{1D8BD707-D9CF-40AE-B4C6-C98DA3205C09}" type="datetimeFigureOut">
               <a:rPr lang="en-US"/>
               <a:pPr/>
-              <a:t>8/7/2023</a:t>
+              <a:t>8/9/2023</a:t>
             </a:fld>
             <a:endParaRPr lang="en-US"/>
           </a:p>
@@ -1944,7 +1944,7 @@
             <a:fld id="{1D8BD707-D9CF-40AE-B4C6-C98DA3205C09}" type="datetimeFigureOut">
               <a:rPr lang="en-US"/>
               <a:pPr/>
-              <a:t>8/7/2023</a:t>
+              <a:t>8/9/2023</a:t>
             </a:fld>
             <a:endParaRPr lang="en-US"/>
           </a:p>
@@ -3020,7 +3020,7 @@
             <a:fld id="{1D8BD707-D9CF-40AE-B4C6-C98DA3205C09}" type="datetimeFigureOut">
               <a:rPr lang="en-US"/>
               <a:pPr/>
-              <a:t>8/7/2023</a:t>
+              <a:t>8/9/2023</a:t>
             </a:fld>
             <a:endParaRPr lang="en-US"/>
           </a:p>
@@ -3142,7 +3142,7 @@
             <a:fld id="{1D8BD707-D9CF-40AE-B4C6-C98DA3205C09}" type="datetimeFigureOut">
               <a:rPr lang="en-US"/>
               <a:pPr/>
-              <a:t>8/7/2023</a:t>
+              <a:t>8/9/2023</a:t>
             </a:fld>
             <a:endParaRPr lang="en-US"/>
           </a:p>
@@ -3399,7 +3399,7 @@
             <a:fld id="{1D8BD707-D9CF-40AE-B4C6-C98DA3205C09}" type="datetimeFigureOut">
               <a:rPr lang="en-US"/>
               <a:pPr/>
-              <a:t>8/7/2023</a:t>
+              <a:t>8/9/2023</a:t>
             </a:fld>
             <a:endParaRPr lang="en-US"/>
           </a:p>
